--- a/dsc-phase-4-project-presentation 8.1.pptx
+++ b/dsc-phase-4-project-presentation 8.1.pptx
@@ -9,7 +9,7 @@
     <p:sldId id="266" r:id="rId3"/>
     <p:sldId id="274" r:id="rId4"/>
     <p:sldId id="267" r:id="rId5"/>
-    <p:sldId id="262" r:id="rId6"/>
+    <p:sldId id="275" r:id="rId6"/>
     <p:sldId id="272" r:id="rId7"/>
     <p:sldId id="273" r:id="rId8"/>
     <p:sldId id="269" r:id="rId9"/>
@@ -1066,7 +1066,7 @@
           </a:pPr>
           <a:r>
             <a:rPr lang="en-US" dirty="0"/>
-            <a:t>Work with school districts to distribute surveys prior to the school year with these attributes</a:t>
+            <a:t>Implement this model as a starter for the browser extension,  continue to gather data to improve accuracy in models</a:t>
           </a:r>
         </a:p>
       </dgm:t>
@@ -1107,7 +1107,7 @@
           </a:pPr>
           <a:r>
             <a:rPr lang="en-US" dirty="0"/>
-            <a:t>Add feature to flag fake news</a:t>
+            <a:t>Cyberbullying not related to age, race, gender, or religion is harder to identify, either remove the “other” category or increase our testing data</a:t>
           </a:r>
         </a:p>
       </dgm:t>
@@ -1148,7 +1148,7 @@
           </a:pPr>
           <a:r>
             <a:rPr lang="en-US" dirty="0"/>
-            <a:t>Cyberbullying not related to age, race, gender, religion is hard to identify, and often time </a:t>
+            <a:t>Include a flag for tweets with misleading or incorrect data articles, as the rise in these types of tweets can also negatively affect users</a:t>
           </a:r>
         </a:p>
       </dgm:t>
@@ -1197,6 +1197,7 @@
       <dgm:spPr>
         <a:blipFill>
           <a:blip xmlns:r="http://schemas.openxmlformats.org/officeDocument/2006/relationships" r:embed="rId1">
+            <a:biLevel thresh="75000"/>
             <a:extLst>
               <a:ext uri="{28A0092B-C50C-407E-A947-70E740481C1C}">
                 <a14:useLocalDpi xmlns:a14="http://schemas.microsoft.com/office/drawing/2010/main" val="0"/>
@@ -1206,6 +1207,7 @@
               </a:ext>
             </a:extLst>
           </a:blip>
+          <a:srcRect/>
           <a:stretch>
             <a:fillRect/>
           </a:stretch>
@@ -1213,7 +1215,7 @@
       </dgm:spPr>
       <dgm:extLst>
         <a:ext uri="{E40237B7-FDA0-4F09-8148-C483321AD2D9}">
-          <dgm14:cNvPr xmlns:dgm14="http://schemas.microsoft.com/office/drawing/2010/diagram" id="0" name="" descr="Schoolhouse"/>
+          <dgm14:cNvPr xmlns:dgm14="http://schemas.microsoft.com/office/drawing/2010/diagram" id="0" name="" descr="Social network with solid fill"/>
         </a:ext>
       </dgm:extLst>
     </dgm:pt>
@@ -1243,29 +1245,8 @@
       <dgm:spPr/>
     </dgm:pt>
     <dgm:pt modelId="{02903BC5-5A28-4916-88AD-39B60DAFDF2C}" type="pres">
-      <dgm:prSet presAssocID="{C8AC943F-59CA-494C-9554-967E394750C2}" presName="iconRect" presStyleLbl="node1" presStyleIdx="1" presStyleCnt="3"/>
-      <dgm:spPr>
-        <a:blipFill>
-          <a:blip xmlns:r="http://schemas.openxmlformats.org/officeDocument/2006/relationships" r:embed="rId3">
-            <a:extLst>
-              <a:ext uri="{28A0092B-C50C-407E-A947-70E740481C1C}">
-                <a14:useLocalDpi xmlns:a14="http://schemas.microsoft.com/office/drawing/2010/main" val="0"/>
-              </a:ext>
-              <a:ext uri="{96DAC541-7B7A-43D3-8B79-37D633B846F1}">
-                <asvg:svgBlip xmlns:asvg="http://schemas.microsoft.com/office/drawing/2016/SVG/main" r:embed="rId4"/>
-              </a:ext>
-            </a:extLst>
-          </a:blip>
-          <a:stretch>
-            <a:fillRect/>
-          </a:stretch>
-        </a:blipFill>
-      </dgm:spPr>
-      <dgm:extLst>
-        <a:ext uri="{E40237B7-FDA0-4F09-8148-C483321AD2D9}">
-          <dgm14:cNvPr xmlns:dgm14="http://schemas.microsoft.com/office/drawing/2010/diagram" id="0" name="" descr="Classroom"/>
-        </a:ext>
-      </dgm:extLst>
+      <dgm:prSet presAssocID="{C8AC943F-59CA-494C-9554-967E394750C2}" presName="iconRect" presStyleLbl="node1" presStyleIdx="1" presStyleCnt="3" custLinFactY="198774" custLinFactNeighborX="-14385" custLinFactNeighborY="200000"/>
+      <dgm:spPr/>
     </dgm:pt>
     <dgm:pt modelId="{E4CF75E3-8A13-42F4-9ED3-EFF8BB9ACA7C}" type="pres">
       <dgm:prSet presAssocID="{C8AC943F-59CA-494C-9554-967E394750C2}" presName="spaceRect" presStyleCnt="0"/>
@@ -1296,16 +1277,18 @@
       <dgm:prSet presAssocID="{541E620C-19D3-4276-AE4E-E8062859A346}" presName="iconRect" presStyleLbl="node1" presStyleIdx="2" presStyleCnt="3"/>
       <dgm:spPr>
         <a:blipFill>
-          <a:blip xmlns:r="http://schemas.openxmlformats.org/officeDocument/2006/relationships" r:embed="rId5">
+          <a:blip xmlns:r="http://schemas.openxmlformats.org/officeDocument/2006/relationships" r:embed="rId3">
+            <a:biLevel thresh="75000"/>
             <a:extLst>
               <a:ext uri="{28A0092B-C50C-407E-A947-70E740481C1C}">
                 <a14:useLocalDpi xmlns:a14="http://schemas.microsoft.com/office/drawing/2010/main" val="0"/>
               </a:ext>
               <a:ext uri="{96DAC541-7B7A-43D3-8B79-37D633B846F1}">
-                <asvg:svgBlip xmlns:asvg="http://schemas.microsoft.com/office/drawing/2016/SVG/main" r:embed="rId6"/>
+                <asvg:svgBlip xmlns:asvg="http://schemas.microsoft.com/office/drawing/2016/SVG/main" r:embed="rId4"/>
               </a:ext>
             </a:extLst>
           </a:blip>
+          <a:srcRect/>
           <a:stretch>
             <a:fillRect/>
           </a:stretch>
@@ -1313,7 +1296,7 @@
       </dgm:spPr>
       <dgm:extLst>
         <a:ext uri="{E40237B7-FDA0-4F09-8148-C483321AD2D9}">
-          <dgm14:cNvPr xmlns:dgm14="http://schemas.microsoft.com/office/drawing/2010/diagram" id="0" name="" descr="Bar chart"/>
+          <dgm14:cNvPr xmlns:dgm14="http://schemas.microsoft.com/office/drawing/2010/diagram" id="0" name="" descr="Flag with solid fill"/>
         </a:ext>
       </dgm:extLst>
     </dgm:pt>
@@ -1432,6 +1415,7 @@
         </a:prstGeom>
         <a:blipFill>
           <a:blip xmlns:r="http://schemas.openxmlformats.org/officeDocument/2006/relationships" r:embed="rId1">
+            <a:biLevel thresh="75000"/>
             <a:extLst>
               <a:ext uri="{28A0092B-C50C-407E-A947-70E740481C1C}">
                 <a14:useLocalDpi xmlns:a14="http://schemas.microsoft.com/office/drawing/2010/main" val="0"/>
@@ -1441,6 +1425,7 @@
               </a:ext>
             </a:extLst>
           </a:blip>
+          <a:srcRect/>
           <a:stretch>
             <a:fillRect/>
           </a:stretch>
@@ -1524,7 +1509,7 @@
           </a:pPr>
           <a:r>
             <a:rPr lang="en-US" sz="2500" kern="1200" dirty="0"/>
-            <a:t>Work with school districts to distribute surveys prior to the school year with these attributes</a:t>
+            <a:t>Implement this model as a starter for the browser extension,  continue to gather data to improve accuracy in models</a:t>
           </a:r>
         </a:p>
       </dsp:txBody>
@@ -1582,27 +1567,20 @@
       </dsp:nvSpPr>
       <dsp:spPr>
         <a:xfrm>
-          <a:off x="317827" y="1550185"/>
+          <a:off x="234700" y="3100370"/>
           <a:ext cx="577867" cy="577867"/>
         </a:xfrm>
         <a:prstGeom prst="rect">
           <a:avLst/>
         </a:prstGeom>
-        <a:blipFill>
-          <a:blip xmlns:r="http://schemas.openxmlformats.org/officeDocument/2006/relationships" r:embed="rId3">
-            <a:extLst>
-              <a:ext uri="{28A0092B-C50C-407E-A947-70E740481C1C}">
-                <a14:useLocalDpi xmlns:a14="http://schemas.microsoft.com/office/drawing/2010/main" val="0"/>
-              </a:ext>
-              <a:ext uri="{96DAC541-7B7A-43D3-8B79-37D633B846F1}">
-                <asvg:svgBlip xmlns:asvg="http://schemas.microsoft.com/office/drawing/2016/SVG/main" r:embed="rId4"/>
-              </a:ext>
-            </a:extLst>
-          </a:blip>
-          <a:stretch>
-            <a:fillRect/>
-          </a:stretch>
-        </a:blipFill>
+        <a:solidFill>
+          <a:schemeClr val="accent3">
+            <a:hueOff val="0"/>
+            <a:satOff val="0"/>
+            <a:lumOff val="0"/>
+            <a:alphaOff val="0"/>
+          </a:schemeClr>
+        </a:solidFill>
         <a:ln w="22225" cap="rnd" cmpd="sng" algn="ctr">
           <a:solidFill>
             <a:schemeClr val="lt1">
@@ -1682,7 +1660,7 @@
           </a:pPr>
           <a:r>
             <a:rPr lang="en-US" sz="2500" kern="1200" dirty="0"/>
-            <a:t>Add feature to flag fake news</a:t>
+            <a:t>Cyberbullying not related to age, race, gender, or religion is harder to identify, either remove the “other” category or increase our testing data</a:t>
           </a:r>
         </a:p>
       </dsp:txBody>
@@ -1747,16 +1725,18 @@
           <a:avLst/>
         </a:prstGeom>
         <a:blipFill>
-          <a:blip xmlns:r="http://schemas.openxmlformats.org/officeDocument/2006/relationships" r:embed="rId5">
+          <a:blip xmlns:r="http://schemas.openxmlformats.org/officeDocument/2006/relationships" r:embed="rId3">
+            <a:biLevel thresh="75000"/>
             <a:extLst>
               <a:ext uri="{28A0092B-C50C-407E-A947-70E740481C1C}">
                 <a14:useLocalDpi xmlns:a14="http://schemas.microsoft.com/office/drawing/2010/main" val="0"/>
               </a:ext>
               <a:ext uri="{96DAC541-7B7A-43D3-8B79-37D633B846F1}">
-                <asvg:svgBlip xmlns:asvg="http://schemas.microsoft.com/office/drawing/2016/SVG/main" r:embed="rId6"/>
+                <asvg:svgBlip xmlns:asvg="http://schemas.microsoft.com/office/drawing/2016/SVG/main" r:embed="rId4"/>
               </a:ext>
             </a:extLst>
           </a:blip>
+          <a:srcRect/>
           <a:stretch>
             <a:fillRect/>
           </a:stretch>
@@ -1840,7 +1820,7 @@
           </a:pPr>
           <a:r>
             <a:rPr lang="en-US" sz="2500" kern="1200" dirty="0"/>
-            <a:t>Cyberbullying not related to age, race, gender, religion is hard to identify, and often time </a:t>
+            <a:t>Include a flag for tweets with misleading or incorrect data articles, as the rise in these types of tweets can also negatively affect users</a:t>
           </a:r>
         </a:p>
       </dsp:txBody>
@@ -3427,7 +3407,7 @@
             <a:fld id="{B61BEF0D-F0BB-DE4B-95CE-6DB70DBA9567}" type="datetimeFigureOut">
               <a:rPr lang="en-US" dirty="0"/>
               <a:pPr/>
-              <a:t>7/25/22</a:t>
+              <a:t>8/1/22</a:t>
             </a:fld>
             <a:endParaRPr lang="en-US" dirty="0"/>
           </a:p>
@@ -3686,7 +3666,7 @@
             <a:fld id="{B61BEF0D-F0BB-DE4B-95CE-6DB70DBA9567}" type="datetimeFigureOut">
               <a:rPr lang="en-US" dirty="0"/>
               <a:pPr/>
-              <a:t>7/25/22</a:t>
+              <a:t>8/1/22</a:t>
             </a:fld>
             <a:endParaRPr lang="en-US" dirty="0"/>
           </a:p>
@@ -3918,7 +3898,7 @@
             <a:fld id="{B61BEF0D-F0BB-DE4B-95CE-6DB70DBA9567}" type="datetimeFigureOut">
               <a:rPr lang="en-US" dirty="0"/>
               <a:pPr/>
-              <a:t>7/25/22</a:t>
+              <a:t>8/1/22</a:t>
             </a:fld>
             <a:endParaRPr lang="en-US" dirty="0"/>
           </a:p>
@@ -4155,7 +4135,7 @@
             <a:fld id="{B61BEF0D-F0BB-DE4B-95CE-6DB70DBA9567}" type="datetimeFigureOut">
               <a:rPr lang="en-US" dirty="0"/>
               <a:pPr/>
-              <a:t>7/25/22</a:t>
+              <a:t>8/1/22</a:t>
             </a:fld>
             <a:endParaRPr lang="en-US" dirty="0"/>
           </a:p>
@@ -4459,7 +4439,7 @@
             <a:fld id="{B61BEF0D-F0BB-DE4B-95CE-6DB70DBA9567}" type="datetimeFigureOut">
               <a:rPr lang="en-US" dirty="0"/>
               <a:pPr/>
-              <a:t>7/25/22</a:t>
+              <a:t>8/1/22</a:t>
             </a:fld>
             <a:endParaRPr lang="en-US" dirty="0"/>
           </a:p>
@@ -4758,7 +4738,7 @@
             <a:fld id="{B61BEF0D-F0BB-DE4B-95CE-6DB70DBA9567}" type="datetimeFigureOut">
               <a:rPr lang="en-US" dirty="0"/>
               <a:pPr/>
-              <a:t>7/25/22</a:t>
+              <a:t>8/1/22</a:t>
             </a:fld>
             <a:endParaRPr lang="en-US" dirty="0"/>
           </a:p>
@@ -5177,7 +5157,7 @@
             <a:fld id="{B61BEF0D-F0BB-DE4B-95CE-6DB70DBA9567}" type="datetimeFigureOut">
               <a:rPr lang="en-US" dirty="0"/>
               <a:pPr/>
-              <a:t>7/25/22</a:t>
+              <a:t>8/1/22</a:t>
             </a:fld>
             <a:endParaRPr lang="en-US" dirty="0"/>
           </a:p>
@@ -5336,7 +5316,7 @@
             <a:fld id="{B61BEF0D-F0BB-DE4B-95CE-6DB70DBA9567}" type="datetimeFigureOut">
               <a:rPr lang="en-US" dirty="0"/>
               <a:pPr/>
-              <a:t>7/25/22</a:t>
+              <a:t>8/1/22</a:t>
             </a:fld>
             <a:endParaRPr lang="en-US" dirty="0"/>
           </a:p>
@@ -5428,7 +5408,7 @@
             <a:fld id="{B61BEF0D-F0BB-DE4B-95CE-6DB70DBA9567}" type="datetimeFigureOut">
               <a:rPr lang="en-US" dirty="0"/>
               <a:pPr/>
-              <a:t>7/25/22</a:t>
+              <a:t>8/1/22</a:t>
             </a:fld>
             <a:endParaRPr lang="en-US" dirty="0"/>
           </a:p>
@@ -5803,7 +5783,7 @@
             <a:fld id="{B61BEF0D-F0BB-DE4B-95CE-6DB70DBA9567}" type="datetimeFigureOut">
               <a:rPr lang="en-US" dirty="0"/>
               <a:pPr/>
-              <a:t>7/25/22</a:t>
+              <a:t>8/1/22</a:t>
             </a:fld>
             <a:endParaRPr lang="en-US" dirty="0"/>
           </a:p>
@@ -6089,7 +6069,7 @@
             <a:fld id="{B61BEF0D-F0BB-DE4B-95CE-6DB70DBA9567}" type="datetimeFigureOut">
               <a:rPr lang="en-US" dirty="0"/>
               <a:pPr/>
-              <a:t>7/25/22</a:t>
+              <a:t>8/1/22</a:t>
             </a:fld>
             <a:endParaRPr lang="en-US" dirty="0"/>
           </a:p>
@@ -6297,7 +6277,7 @@
             <a:fld id="{B61BEF0D-F0BB-DE4B-95CE-6DB70DBA9567}" type="datetimeFigureOut">
               <a:rPr lang="en-US" dirty="0"/>
               <a:pPr/>
-              <a:t>7/25/22</a:t>
+              <a:t>8/1/22</a:t>
             </a:fld>
             <a:endParaRPr lang="en-US" dirty="0"/>
           </a:p>
@@ -7034,7 +7014,7 @@
         </p:nvSpPr>
         <p:spPr>
           <a:xfrm>
-            <a:off x="4579243" y="1419225"/>
+            <a:off x="4579243" y="2308225"/>
             <a:ext cx="6798608" cy="2085869"/>
           </a:xfrm>
         </p:spPr>
@@ -7050,7 +7030,7 @@
                   <a:srgbClr val="FFFFFF"/>
                 </a:solidFill>
               </a:rPr>
-              <a:t>FLAGGING CYBERBULLYING on twitter for Kind inc.</a:t>
+              <a:t>FLAGGING CYBERBULLYING on twitter for Be Kind Org.</a:t>
             </a:r>
           </a:p>
         </p:txBody>
@@ -7073,12 +7053,12 @@
         </p:nvSpPr>
         <p:spPr>
           <a:xfrm>
-            <a:off x="4579243" y="3505095"/>
+            <a:off x="4579243" y="4394095"/>
             <a:ext cx="6798608" cy="1733655"/>
           </a:xfrm>
         </p:spPr>
         <p:txBody>
-          <a:bodyPr vert="horz" lIns="91440" tIns="45720" rIns="91440" bIns="45720" rtlCol="0">
+          <a:bodyPr vert="horz" lIns="91440" tIns="45720" rIns="91440" bIns="45720" rtlCol="0" anchor="b">
             <a:normAutofit/>
           </a:bodyPr>
           <a:lstStyle/>
@@ -7099,7 +7079,7 @@
                   <a:srgbClr val="EBEBEB"/>
                 </a:solidFill>
               </a:rPr>
-              <a:t>July 2022</a:t>
+              <a:t>August 2022</a:t>
             </a:r>
           </a:p>
         </p:txBody>
@@ -7424,8 +7404,12 @@
           </a:p>
           <a:p>
             <a:r>
+              <a:rPr lang="en-US" sz="2000" dirty="0" err="1"/>
+              <a:t>BeKind</a:t>
+            </a:r>
+            <a:r>
               <a:rPr lang="en-US" sz="2000" dirty="0"/>
-              <a:t>Kind Inc. would like to create a browser extension with the ability to flag potentially harmful tweets</a:t>
+              <a:t> Org. would like to create a browser extension with the ability to flag potentially harmful tweets</a:t>
             </a:r>
           </a:p>
           <a:p>
@@ -7433,8 +7417,12 @@
           </a:p>
           <a:p>
             <a:r>
+              <a:rPr lang="en-US" sz="2000" dirty="0" err="1"/>
+              <a:t>BeKind</a:t>
+            </a:r>
+            <a:r>
               <a:rPr lang="en-US" sz="2000" dirty="0"/>
-              <a:t>Kind Inc. needs our help creating an algorithm that will accurately flag instances of cyberbullying in tweets </a:t>
+              <a:t> Org. needs our help creating an algorithm that will accurately flag instances of cyberbullying in tweets </a:t>
             </a:r>
           </a:p>
         </p:txBody>
@@ -7643,7 +7631,7 @@
                   <a:schemeClr val="tx1"/>
                 </a:solidFill>
               </a:rPr>
-              <a:t>Alter the data due to Natural Language Processing , which gives computers the ability to understand text and spoken words in much the same way human beings can.</a:t>
+              <a:t>Alter the data due to Natural Language Processing, which gives computers the ability to understand text and spoken words in the same way human beings can.</a:t>
             </a:r>
           </a:p>
           <a:p>
@@ -7653,7 +7641,7 @@
                   <a:schemeClr val="tx1"/>
                 </a:solidFill>
               </a:rPr>
-              <a:t>Train dataset using Neural Networks, algorithm inspired by the biological neural networks that constitute the human brain</a:t>
+              <a:t>Train dataset using Neural Networks, an algorithm inspired by the biological neural networks that constitute the human brain</a:t>
             </a:r>
           </a:p>
         </p:txBody>
@@ -7879,7 +7867,7 @@
         <p:spPr>
           <a:xfrm>
             <a:off x="581192" y="2180496"/>
-            <a:ext cx="5632039" cy="3678303"/>
+            <a:ext cx="6187908" cy="3678303"/>
           </a:xfrm>
         </p:spPr>
         <p:txBody>
@@ -7888,8 +7876,71 @@
           </a:bodyPr>
           <a:lstStyle/>
           <a:p>
-            <a:r>
-              <a:rPr lang="en-US" sz="1600" dirty="0"/>
+            <a:pPr>
+              <a:spcBef>
+                <a:spcPts val="0"/>
+              </a:spcBef>
+              <a:spcAft>
+                <a:spcPts val="0"/>
+              </a:spcAft>
+            </a:pPr>
+            <a:endParaRPr lang="en-US" sz="2000" dirty="0"/>
+          </a:p>
+          <a:p>
+            <a:pPr>
+              <a:spcBef>
+                <a:spcPts val="0"/>
+              </a:spcBef>
+              <a:spcAft>
+                <a:spcPts val="0"/>
+              </a:spcAft>
+            </a:pPr>
+            <a:endParaRPr lang="en-US" sz="2000" dirty="0"/>
+          </a:p>
+          <a:p>
+            <a:pPr>
+              <a:spcBef>
+                <a:spcPts val="0"/>
+              </a:spcBef>
+              <a:spcAft>
+                <a:spcPts val="0"/>
+              </a:spcAft>
+            </a:pPr>
+            <a:endParaRPr lang="en-US" sz="2000" dirty="0"/>
+          </a:p>
+          <a:p>
+            <a:pPr>
+              <a:spcBef>
+                <a:spcPts val="0"/>
+              </a:spcBef>
+              <a:spcAft>
+                <a:spcPts val="0"/>
+              </a:spcAft>
+            </a:pPr>
+            <a:endParaRPr lang="en-US" sz="2000" dirty="0"/>
+          </a:p>
+          <a:p>
+            <a:pPr>
+              <a:spcBef>
+                <a:spcPts val="0"/>
+              </a:spcBef>
+              <a:spcAft>
+                <a:spcPts val="0"/>
+              </a:spcAft>
+            </a:pPr>
+            <a:endParaRPr lang="en-US" sz="2000" dirty="0"/>
+          </a:p>
+          <a:p>
+            <a:pPr>
+              <a:spcBef>
+                <a:spcPts val="0"/>
+              </a:spcBef>
+              <a:spcAft>
+                <a:spcPts val="0"/>
+              </a:spcAft>
+            </a:pPr>
+            <a:r>
+              <a:rPr lang="en-US" sz="2000" dirty="0"/>
               <a:t>Data used for prediction consists of 47K tweets labeled according to the class of cyberbullying:</a:t>
             </a:r>
           </a:p>
@@ -7903,7 +7954,7 @@
               </a:spcAft>
             </a:pPr>
             <a:r>
-              <a:rPr lang="en-US" sz="1100" dirty="0"/>
+              <a:rPr lang="en-US" sz="1400" dirty="0"/>
               <a:t>Age</a:t>
             </a:r>
           </a:p>
@@ -7917,7 +7968,7 @@
               </a:spcAft>
             </a:pPr>
             <a:r>
-              <a:rPr lang="en-US" sz="1100" dirty="0"/>
+              <a:rPr lang="en-US" sz="1400" dirty="0"/>
               <a:t>Ethnicity</a:t>
             </a:r>
           </a:p>
@@ -7931,7 +7982,7 @@
               </a:spcAft>
             </a:pPr>
             <a:r>
-              <a:rPr lang="en-US" sz="1100" dirty="0"/>
+              <a:rPr lang="en-US" sz="1400" dirty="0"/>
               <a:t>Gender</a:t>
             </a:r>
           </a:p>
@@ -7945,7 +7996,7 @@
               </a:spcAft>
             </a:pPr>
             <a:r>
-              <a:rPr lang="en-US" sz="1100" dirty="0"/>
+              <a:rPr lang="en-US" sz="1400" dirty="0"/>
               <a:t>Religion</a:t>
             </a:r>
           </a:p>
@@ -7959,8 +8010,8 @@
               </a:spcAft>
             </a:pPr>
             <a:r>
-              <a:rPr lang="en-US" sz="1100" dirty="0"/>
-              <a:t>Other type of cyberbullying</a:t>
+              <a:rPr lang="en-US" sz="1400" dirty="0"/>
+              <a:t>Other types of cyberbullying</a:t>
             </a:r>
           </a:p>
           <a:p>
@@ -7973,48 +8024,72 @@
               </a:spcAft>
             </a:pPr>
             <a:r>
-              <a:rPr lang="en-US" sz="1100" dirty="0"/>
+              <a:rPr lang="en-US" sz="1400" dirty="0"/>
               <a:t>Not cyberbullying</a:t>
             </a:r>
-            <a:endParaRPr lang="en-US" sz="1600" dirty="0"/>
-          </a:p>
-          <a:p>
-            <a:r>
-              <a:rPr lang="en-US" sz="1600" dirty="0"/>
-              <a:t>Because this analysis requires Natural Language Processing, we must standardize the words in each tweet </a:t>
-            </a:r>
-          </a:p>
-          <a:p>
-            <a:pPr lvl="1"/>
-            <a:r>
-              <a:rPr lang="en-US" sz="1400" dirty="0"/>
-              <a:t>For example, bully and bullying will becoming “bully”</a:t>
-            </a:r>
-          </a:p>
-          <a:p>
-            <a:pPr lvl="1"/>
-            <a:endParaRPr lang="en-US" sz="1400" dirty="0"/>
-          </a:p>
-          <a:p>
-            <a:pPr marL="324000" lvl="1" indent="0">
-              <a:buNone/>
+            <a:endParaRPr lang="en-US" sz="2000" dirty="0"/>
+          </a:p>
+          <a:p>
+            <a:pPr>
+              <a:spcBef>
+                <a:spcPts val="0"/>
+              </a:spcBef>
+              <a:spcAft>
+                <a:spcPts val="0"/>
+              </a:spcAft>
+            </a:pPr>
+            <a:r>
+              <a:rPr lang="en-US" sz="2000" dirty="0"/>
+              <a:t>Because this analysis requires Natural Language Processing, we must standardize the words in each tweet and remove unimportant words</a:t>
+            </a:r>
+          </a:p>
+          <a:p>
+            <a:pPr lvl="1">
+              <a:spcBef>
+                <a:spcPts val="0"/>
+              </a:spcBef>
+              <a:spcAft>
+                <a:spcPts val="0"/>
+              </a:spcAft>
+            </a:pPr>
+            <a:r>
+              <a:rPr lang="en-US" dirty="0"/>
+              <a:t> “Connect”, “Connecting”, “Connected” will all become “connect”</a:t>
+            </a:r>
+          </a:p>
+          <a:p>
+            <a:pPr lvl="1">
+              <a:spcBef>
+                <a:spcPts val="0"/>
+              </a:spcBef>
+              <a:spcAft>
+                <a:spcPts val="0"/>
+              </a:spcAft>
+            </a:pPr>
+            <a:r>
+              <a:rPr lang="en-US" dirty="0"/>
+              <a:t>Words such as “The”, “a”, “and” etc. will be removed</a:t>
+            </a:r>
+          </a:p>
+          <a:p>
+            <a:pPr>
+              <a:spcBef>
+                <a:spcPts val="0"/>
+              </a:spcBef>
+              <a:spcAft>
+                <a:spcPts val="0"/>
+              </a:spcAft>
             </a:pPr>
             <a:endParaRPr lang="en-US" sz="1400" dirty="0"/>
           </a:p>
           <a:p>
-            <a:r>
-              <a:rPr lang="en-US" sz="1600" dirty="0"/>
-              <a:t>xx</a:t>
-            </a:r>
-          </a:p>
-          <a:p>
-            <a:endParaRPr lang="en-US" sz="1100" dirty="0"/>
+            <a:endParaRPr lang="en-US" sz="1050" dirty="0"/>
           </a:p>
           <a:p>
             <a:pPr marL="0" indent="0">
               <a:buNone/>
             </a:pPr>
-            <a:endParaRPr lang="en-US" sz="1200" dirty="0"/>
+            <a:endParaRPr lang="en-US" sz="1100" dirty="0"/>
           </a:p>
           <a:p>
             <a:pPr marL="0" indent="0">
@@ -8089,8 +8164,8 @@
         </p:nvSpPr>
         <p:spPr>
           <a:xfrm>
-            <a:off x="7035414" y="2180496"/>
-            <a:ext cx="4083738" cy="307777"/>
+            <a:off x="7035414" y="1989649"/>
+            <a:ext cx="4083738" cy="523220"/>
           </a:xfrm>
           <a:prstGeom prst="rect">
             <a:avLst/>
@@ -8106,7 +8181,7 @@
             <a:pPr algn="ctr"/>
             <a:r>
               <a:rPr lang="en-US" sz="1400" dirty="0"/>
-              <a:t>Frequency Distribution</a:t>
+              <a:t>Frequency Distribution Of Top Words Used in Cyberbullying Tweets</a:t>
             </a:r>
           </a:p>
         </p:txBody>
@@ -8190,171 +8265,10 @@
       </p:grpSpPr>
       <p:sp>
         <p:nvSpPr>
-          <p:cNvPr id="2" name="Title 1">
+          <p:cNvPr id="5" name="Rectangle 4">
             <a:extLst>
               <a:ext uri="{FF2B5EF4-FFF2-40B4-BE49-F238E27FC236}">
-                <a16:creationId xmlns:a16="http://schemas.microsoft.com/office/drawing/2014/main" id="{F4847BFF-7693-C246-8383-931543C773B9}"/>
-              </a:ext>
-            </a:extLst>
-          </p:cNvPr>
-          <p:cNvSpPr>
-            <a:spLocks noGrp="1"/>
-          </p:cNvSpPr>
-          <p:nvPr>
-            <p:ph type="title"/>
-          </p:nvPr>
-        </p:nvSpPr>
-        <p:spPr>
-          <a:xfrm>
-            <a:off x="581192" y="702156"/>
-            <a:ext cx="11029616" cy="1013800"/>
-          </a:xfrm>
-        </p:spPr>
-        <p:txBody>
-          <a:bodyPr>
-            <a:normAutofit/>
-          </a:bodyPr>
-          <a:lstStyle/>
-          <a:p>
-            <a:r>
-              <a:rPr lang="en-US" dirty="0">
-                <a:solidFill>
-                  <a:srgbClr val="FFFFFF"/>
-                </a:solidFill>
-              </a:rPr>
-              <a:t>DIFFERENCES BY CYBERBULLYING TYPE</a:t>
-            </a:r>
-          </a:p>
-        </p:txBody>
-      </p:sp>
-      <p:sp>
-        <p:nvSpPr>
-          <p:cNvPr id="3" name="Content Placeholder 2">
-            <a:extLst>
-              <a:ext uri="{FF2B5EF4-FFF2-40B4-BE49-F238E27FC236}">
-                <a16:creationId xmlns:a16="http://schemas.microsoft.com/office/drawing/2014/main" id="{D64FD7A7-8065-8840-920B-E9254894BD7F}"/>
-              </a:ext>
-            </a:extLst>
-          </p:cNvPr>
-          <p:cNvSpPr>
-            <a:spLocks noGrp="1"/>
-          </p:cNvSpPr>
-          <p:nvPr>
-            <p:ph idx="1"/>
-          </p:nvPr>
-        </p:nvSpPr>
-        <p:spPr>
-          <a:xfrm>
-            <a:off x="5087815" y="2180496"/>
-            <a:ext cx="6522992" cy="4045683"/>
-          </a:xfrm>
-        </p:spPr>
-        <p:txBody>
-          <a:bodyPr>
-            <a:normAutofit/>
-          </a:bodyPr>
-          <a:lstStyle/>
-          <a:p>
-            <a:pPr marL="0" indent="0">
-              <a:buNone/>
-            </a:pPr>
-            <a:endParaRPr lang="en-US" dirty="0"/>
-          </a:p>
-        </p:txBody>
-      </p:sp>
-      <p:sp>
-        <p:nvSpPr>
-          <p:cNvPr id="6" name="TextBox 5">
-            <a:extLst>
-              <a:ext uri="{FF2B5EF4-FFF2-40B4-BE49-F238E27FC236}">
-                <a16:creationId xmlns:a16="http://schemas.microsoft.com/office/drawing/2014/main" id="{4A69C4A5-3E15-B047-B401-3D6327E52F51}"/>
-              </a:ext>
-            </a:extLst>
-          </p:cNvPr>
-          <p:cNvSpPr txBox="1"/>
-          <p:nvPr/>
-        </p:nvSpPr>
-        <p:spPr>
-          <a:xfrm>
-            <a:off x="316523" y="6482861"/>
-            <a:ext cx="10351477" cy="276999"/>
-          </a:xfrm>
-          <a:prstGeom prst="rect">
-            <a:avLst/>
-          </a:prstGeom>
-          <a:noFill/>
-        </p:spPr>
-        <p:txBody>
-          <a:bodyPr wrap="square" rtlCol="0">
-            <a:spAutoFit/>
-          </a:bodyPr>
-          <a:lstStyle/>
-          <a:p>
-            <a:r>
-              <a:rPr lang="en-US" sz="1200" dirty="0"/>
-              <a:t>Data source:  https://</a:t>
-            </a:r>
-            <a:r>
-              <a:rPr lang="en-US" sz="1200" dirty="0" err="1"/>
-              <a:t>www.kaggle.com</a:t>
-            </a:r>
-            <a:r>
-              <a:rPr lang="en-US" sz="1200" dirty="0"/>
-              <a:t>/code/</a:t>
-            </a:r>
-            <a:r>
-              <a:rPr lang="en-US" sz="1200" dirty="0" err="1"/>
-              <a:t>anayad</a:t>
-            </a:r>
-            <a:r>
-              <a:rPr lang="en-US" sz="1200" dirty="0"/>
-              <a:t>/classifying-cyberbullying-tweets/data</a:t>
-            </a:r>
-          </a:p>
-        </p:txBody>
-      </p:sp>
-      <p:sp>
-        <p:nvSpPr>
-          <p:cNvPr id="5" name="TextBox 4">
-            <a:extLst>
-              <a:ext uri="{FF2B5EF4-FFF2-40B4-BE49-F238E27FC236}">
-                <a16:creationId xmlns:a16="http://schemas.microsoft.com/office/drawing/2014/main" id="{602965D2-2F1F-B546-9D43-8503C5101FA1}"/>
-              </a:ext>
-            </a:extLst>
-          </p:cNvPr>
-          <p:cNvSpPr txBox="1"/>
-          <p:nvPr/>
-        </p:nvSpPr>
-        <p:spPr>
-          <a:xfrm>
-            <a:off x="831266" y="2262429"/>
-            <a:ext cx="4083738" cy="307777"/>
-          </a:xfrm>
-          <a:prstGeom prst="rect">
-            <a:avLst/>
-          </a:prstGeom>
-          <a:noFill/>
-        </p:spPr>
-        <p:txBody>
-          <a:bodyPr wrap="square" rtlCol="0" anchor="ctr">
-            <a:spAutoFit/>
-          </a:bodyPr>
-          <a:lstStyle/>
-          <a:p>
-            <a:pPr algn="ctr"/>
-            <a:r>
-              <a:rPr lang="en-US" sz="1400" dirty="0"/>
-              <a:t>xxx</a:t>
-            </a:r>
-          </a:p>
-        </p:txBody>
-      </p:sp>
-      <p:sp>
-        <p:nvSpPr>
-          <p:cNvPr id="9" name="Rectangle 8">
-            <a:extLst>
-              <a:ext uri="{FF2B5EF4-FFF2-40B4-BE49-F238E27FC236}">
-                <a16:creationId xmlns:a16="http://schemas.microsoft.com/office/drawing/2014/main" id="{EB08EB74-DE82-434F-BD47-14F8F7F17EBD}"/>
+                <a16:creationId xmlns:a16="http://schemas.microsoft.com/office/drawing/2014/main" id="{2FB54A73-190B-944B-B7FD-5768E2827F58}"/>
               </a:ext>
             </a:extLst>
           </p:cNvPr>
@@ -8363,8 +8277,8 @@
         </p:nvSpPr>
         <p:spPr>
           <a:xfrm>
-            <a:off x="384204" y="2574027"/>
-            <a:ext cx="4598564" cy="3581817"/>
+            <a:off x="581193" y="2180496"/>
+            <a:ext cx="4575394" cy="3975348"/>
           </a:xfrm>
           <a:prstGeom prst="rect">
             <a:avLst/>
@@ -8395,10 +8309,234 @@
           </a:p>
         </p:txBody>
       </p:sp>
+      <p:sp>
+        <p:nvSpPr>
+          <p:cNvPr id="2" name="Title 1">
+            <a:extLst>
+              <a:ext uri="{FF2B5EF4-FFF2-40B4-BE49-F238E27FC236}">
+                <a16:creationId xmlns:a16="http://schemas.microsoft.com/office/drawing/2014/main" id="{A92DD8D3-AF44-BE46-8AFA-66402674D1CD}"/>
+              </a:ext>
+            </a:extLst>
+          </p:cNvPr>
+          <p:cNvSpPr>
+            <a:spLocks noGrp="1"/>
+          </p:cNvSpPr>
+          <p:nvPr>
+            <p:ph type="title"/>
+          </p:nvPr>
+        </p:nvSpPr>
+        <p:spPr/>
+        <p:txBody>
+          <a:bodyPr/>
+          <a:lstStyle/>
+          <a:p>
+            <a:r>
+              <a:rPr lang="en-US" dirty="0"/>
+              <a:t>DATA exploration and processing</a:t>
+            </a:r>
+          </a:p>
+        </p:txBody>
+      </p:sp>
+      <p:sp>
+        <p:nvSpPr>
+          <p:cNvPr id="6" name="TextBox 5">
+            <a:extLst>
+              <a:ext uri="{FF2B5EF4-FFF2-40B4-BE49-F238E27FC236}">
+                <a16:creationId xmlns:a16="http://schemas.microsoft.com/office/drawing/2014/main" id="{FF8F6CB8-6300-F444-B327-6646CDB330F7}"/>
+              </a:ext>
+            </a:extLst>
+          </p:cNvPr>
+          <p:cNvSpPr txBox="1"/>
+          <p:nvPr/>
+        </p:nvSpPr>
+        <p:spPr>
+          <a:xfrm>
+            <a:off x="316523" y="6482861"/>
+            <a:ext cx="10351477" cy="276999"/>
+          </a:xfrm>
+          <a:prstGeom prst="rect">
+            <a:avLst/>
+          </a:prstGeom>
+          <a:noFill/>
+        </p:spPr>
+        <p:txBody>
+          <a:bodyPr wrap="square" rtlCol="0">
+            <a:spAutoFit/>
+          </a:bodyPr>
+          <a:lstStyle/>
+          <a:p>
+            <a:r>
+              <a:rPr lang="en-US" sz="1200" dirty="0"/>
+              <a:t>Data source:  https://</a:t>
+            </a:r>
+            <a:r>
+              <a:rPr lang="en-US" sz="1200" dirty="0" err="1"/>
+              <a:t>www.kaggle.com</a:t>
+            </a:r>
+            <a:r>
+              <a:rPr lang="en-US" sz="1200" dirty="0"/>
+              <a:t>/code/</a:t>
+            </a:r>
+            <a:r>
+              <a:rPr lang="en-US" sz="1200" dirty="0" err="1"/>
+              <a:t>anayad</a:t>
+            </a:r>
+            <a:r>
+              <a:rPr lang="en-US" sz="1200" dirty="0"/>
+              <a:t>/classifying-cyberbullying-tweets/data</a:t>
+            </a:r>
+          </a:p>
+        </p:txBody>
+      </p:sp>
+      <p:sp>
+        <p:nvSpPr>
+          <p:cNvPr id="8" name="Content Placeholder 7">
+            <a:extLst>
+              <a:ext uri="{FF2B5EF4-FFF2-40B4-BE49-F238E27FC236}">
+                <a16:creationId xmlns:a16="http://schemas.microsoft.com/office/drawing/2014/main" id="{E35E5F38-F725-A849-98E8-7D407EAD1BA9}"/>
+              </a:ext>
+            </a:extLst>
+          </p:cNvPr>
+          <p:cNvSpPr>
+            <a:spLocks noGrp="1"/>
+          </p:cNvSpPr>
+          <p:nvPr>
+            <p:ph idx="1"/>
+          </p:nvPr>
+        </p:nvSpPr>
+        <p:spPr>
+          <a:xfrm>
+            <a:off x="5242858" y="2191391"/>
+            <a:ext cx="6367949" cy="3907786"/>
+          </a:xfrm>
+        </p:spPr>
+        <p:txBody>
+          <a:bodyPr/>
+          <a:lstStyle/>
+          <a:p>
+            <a:r>
+              <a:rPr lang="en-US" dirty="0"/>
+              <a:t>For most of our cyberbullying categories, the most common words in the associated tweets were unique from each other</a:t>
+            </a:r>
+          </a:p>
+          <a:p>
+            <a:endParaRPr lang="en-US" dirty="0"/>
+          </a:p>
+          <a:p>
+            <a:r>
+              <a:rPr lang="en-US" dirty="0"/>
+              <a:t>“Not Cyberbullying” and “Other Cyberbullying” had a high overlap in word usage</a:t>
+            </a:r>
+          </a:p>
+          <a:p>
+            <a:endParaRPr lang="en-US" dirty="0"/>
+          </a:p>
+          <a:p>
+            <a:r>
+              <a:rPr lang="en-US" dirty="0"/>
+              <a:t>More complex modeling such as neural networks is needed so our model can understand the order of words used </a:t>
+            </a:r>
+          </a:p>
+        </p:txBody>
+      </p:sp>
+      <p:pic>
+        <p:nvPicPr>
+          <p:cNvPr id="6146" name="Picture 2">
+            <a:extLst>
+              <a:ext uri="{FF2B5EF4-FFF2-40B4-BE49-F238E27FC236}">
+                <a16:creationId xmlns:a16="http://schemas.microsoft.com/office/drawing/2014/main" id="{3BCFF02B-F115-8342-B354-F46C4A9EF406}"/>
+              </a:ext>
+            </a:extLst>
+          </p:cNvPr>
+          <p:cNvPicPr>
+            <a:picLocks noChangeAspect="1" noChangeArrowheads="1"/>
+          </p:cNvPicPr>
+          <p:nvPr/>
+        </p:nvPicPr>
+        <p:blipFill>
+          <a:blip r:embed="rId2">
+            <a:extLst>
+              <a:ext uri="{28A0092B-C50C-407E-A947-70E740481C1C}">
+                <a14:useLocalDpi xmlns:a14="http://schemas.microsoft.com/office/drawing/2010/main" val="0"/>
+              </a:ext>
+            </a:extLst>
+          </a:blip>
+          <a:srcRect/>
+          <a:stretch>
+            <a:fillRect/>
+          </a:stretch>
+        </p:blipFill>
+        <p:spPr bwMode="auto">
+          <a:xfrm>
+            <a:off x="667464" y="2256717"/>
+            <a:ext cx="4311444" cy="1884472"/>
+          </a:xfrm>
+          <a:prstGeom prst="rect">
+            <a:avLst/>
+          </a:prstGeom>
+          <a:noFill/>
+          <a:extLst>
+            <a:ext uri="{909E8E84-426E-40DD-AFC4-6F175D3DCCD1}">
+              <a14:hiddenFill xmlns:a14="http://schemas.microsoft.com/office/drawing/2010/main">
+                <a:solidFill>
+                  <a:srgbClr val="FFFFFF"/>
+                </a:solidFill>
+              </a14:hiddenFill>
+            </a:ext>
+          </a:extLst>
+        </p:spPr>
+      </p:pic>
+      <p:pic>
+        <p:nvPicPr>
+          <p:cNvPr id="6148" name="Picture 4">
+            <a:extLst>
+              <a:ext uri="{FF2B5EF4-FFF2-40B4-BE49-F238E27FC236}">
+                <a16:creationId xmlns:a16="http://schemas.microsoft.com/office/drawing/2014/main" id="{1743DD32-9D7D-2741-B7D1-1456DDF59B3C}"/>
+              </a:ext>
+            </a:extLst>
+          </p:cNvPr>
+          <p:cNvPicPr>
+            <a:picLocks noChangeAspect="1" noChangeArrowheads="1"/>
+          </p:cNvPicPr>
+          <p:nvPr/>
+        </p:nvPicPr>
+        <p:blipFill>
+          <a:blip r:embed="rId3">
+            <a:extLst>
+              <a:ext uri="{28A0092B-C50C-407E-A947-70E740481C1C}">
+                <a14:useLocalDpi xmlns:a14="http://schemas.microsoft.com/office/drawing/2010/main" val="0"/>
+              </a:ext>
+            </a:extLst>
+          </a:blip>
+          <a:srcRect/>
+          <a:stretch>
+            <a:fillRect/>
+          </a:stretch>
+        </p:blipFill>
+        <p:spPr bwMode="auto">
+          <a:xfrm>
+            <a:off x="667465" y="4203810"/>
+            <a:ext cx="4311443" cy="1884472"/>
+          </a:xfrm>
+          <a:prstGeom prst="rect">
+            <a:avLst/>
+          </a:prstGeom>
+          <a:noFill/>
+          <a:extLst>
+            <a:ext uri="{909E8E84-426E-40DD-AFC4-6F175D3DCCD1}">
+              <a14:hiddenFill xmlns:a14="http://schemas.microsoft.com/office/drawing/2010/main">
+                <a:solidFill>
+                  <a:srgbClr val="FFFFFF"/>
+                </a:solidFill>
+              </a14:hiddenFill>
+            </a:ext>
+          </a:extLst>
+        </p:spPr>
+      </p:pic>
     </p:spTree>
     <p:extLst>
       <p:ext uri="{BB962C8B-B14F-4D97-AF65-F5344CB8AC3E}">
-        <p14:creationId xmlns:p14="http://schemas.microsoft.com/office/powerpoint/2010/main" val="3594444443"/>
+        <p14:creationId xmlns:p14="http://schemas.microsoft.com/office/powerpoint/2010/main" val="3458913278"/>
       </p:ext>
     </p:extLst>
   </p:cSld>
@@ -8505,7 +8643,7 @@
                   <a:srgbClr val="FFFFFF"/>
                 </a:solidFill>
               </a:rPr>
-              <a:t>Evaluation of model</a:t>
+              <a:t>Evaluation of Final model</a:t>
             </a:r>
           </a:p>
         </p:txBody>
@@ -8555,7 +8693,7 @@
           <a:p>
             <a:r>
               <a:rPr lang="en-US" dirty="0"/>
-              <a:t>While our different classifications of bullying performed well, the model had a difficult time classifying ”other” types of cyberbullying with non-bullying</a:t>
+              <a:t>While our different classifications of bullying performed well, the model had a difficult time classifying “other” types of cyberbullying with non-bullying</a:t>
             </a:r>
           </a:p>
           <a:p>
@@ -8564,7 +8702,7 @@
           <a:p>
             <a:r>
               <a:rPr lang="en-US" dirty="0"/>
-              <a:t>This model correctly predicted non-bullying tweets 31% of the time, most were incorrectly predicted as “other”</a:t>
+              <a:t>This model correctly predicted non-bullying tweets 32% of the time, most were incorrectly predicted as “other”</a:t>
             </a:r>
           </a:p>
           <a:p>
@@ -8972,7 +9110,7 @@
             <p:ph idx="1"/>
             <p:extLst>
               <p:ext uri="{D42A27DB-BD31-4B8C-83A1-F6EECF244321}">
-                <p14:modId xmlns:p14="http://schemas.microsoft.com/office/powerpoint/2010/main" val="1075036523"/>
+                <p14:modId xmlns:p14="http://schemas.microsoft.com/office/powerpoint/2010/main" val="1501413122"/>
               </p:ext>
             </p:extLst>
           </p:nvPr>
@@ -8987,6 +9125,64 @@
           </a:graphicData>
         </a:graphic>
       </p:graphicFrame>
+      <p:sp>
+        <p:nvSpPr>
+          <p:cNvPr id="4" name="Rectangle 3">
+            <a:extLst>
+              <a:ext uri="{FF2B5EF4-FFF2-40B4-BE49-F238E27FC236}">
+                <a16:creationId xmlns:a16="http://schemas.microsoft.com/office/drawing/2014/main" id="{57758091-C756-854C-811D-15CDFBA62E27}"/>
+              </a:ext>
+            </a:extLst>
+          </p:cNvPr>
+          <p:cNvSpPr/>
+          <p:nvPr/>
+        </p:nvSpPr>
+        <p:spPr>
+          <a:xfrm>
+            <a:off x="878806" y="3731410"/>
+            <a:ext cx="577867" cy="577867"/>
+          </a:xfrm>
+          <a:prstGeom prst="rect">
+            <a:avLst/>
+          </a:prstGeom>
+          <a:blipFill>
+            <a:blip r:embed="rId7">
+              <a:extLst>
+                <a:ext uri="{96DAC541-7B7A-43D3-8B79-37D633B846F1}">
+                  <asvg:svgBlip xmlns:asvg="http://schemas.microsoft.com/office/drawing/2016/SVG/main" r:embed="rId8"/>
+                </a:ext>
+              </a:extLst>
+            </a:blip>
+            <a:stretch>
+              <a:fillRect/>
+            </a:stretch>
+          </a:blipFill>
+        </p:spPr>
+        <p:style>
+          <a:lnRef idx="2">
+            <a:schemeClr val="lt1">
+              <a:hueOff val="0"/>
+              <a:satOff val="0"/>
+              <a:lumOff val="0"/>
+              <a:alphaOff val="0"/>
+            </a:schemeClr>
+          </a:lnRef>
+          <a:fillRef idx="1">
+            <a:scrgbClr r="0" g="0" b="0"/>
+          </a:fillRef>
+          <a:effectRef idx="0">
+            <a:schemeClr val="accent2">
+              <a:hueOff val="0"/>
+              <a:satOff val="0"/>
+              <a:lumOff val="0"/>
+              <a:alphaOff val="0"/>
+            </a:schemeClr>
+          </a:effectRef>
+          <a:fontRef idx="minor">
+            <a:schemeClr val="lt1"/>
+          </a:fontRef>
+        </p:style>
+      </p:sp>
     </p:spTree>
     <p:extLst>
       <p:ext uri="{BB962C8B-B14F-4D97-AF65-F5344CB8AC3E}">
@@ -9448,13 +9644,7 @@
               <a:rPr lang="en-US" dirty="0">
                 <a:hlinkClick r:id="rId2"/>
               </a:rPr>
-              <a:t>S</a:t>
-            </a:r>
-            <a:r>
-              <a:rPr lang="en-US" dirty="0">
-                <a:hlinkClick r:id="rId2"/>
-              </a:rPr>
-              <a:t>abinabains3@gmail.com</a:t>
+              <a:t>Sabinabains3@gmail.com</a:t>
             </a:r>
             <a:endParaRPr lang="en-US" dirty="0"/>
           </a:p>

--- a/dsc-phase-4-project-presentation 8.1.pptx
+++ b/dsc-phase-4-project-presentation 8.1.pptx
@@ -1066,7 +1066,7 @@
           </a:pPr>
           <a:r>
             <a:rPr lang="en-US" dirty="0"/>
-            <a:t>Implement this model as a starter for the browser extension,  continue to gather data to improve accuracy in models</a:t>
+            <a:t>Implement this model as a starter for the browser extension and continue to gather data to improve accuracy in models.</a:t>
           </a:r>
         </a:p>
       </dgm:t>
@@ -1107,7 +1107,7 @@
           </a:pPr>
           <a:r>
             <a:rPr lang="en-US" dirty="0"/>
-            <a:t>Cyberbullying not related to age, race, gender, or religion is harder to identify, either remove the “other” category or increase our testing data</a:t>
+            <a:t>Remove “other” classification of cyberbullying as it is too vague.</a:t>
           </a:r>
         </a:p>
       </dgm:t>
@@ -1148,7 +1148,7 @@
           </a:pPr>
           <a:r>
             <a:rPr lang="en-US" dirty="0"/>
-            <a:t>Include a flag for tweets with misleading or incorrect data articles, as the rise in these types of tweets can also negatively affect users</a:t>
+            <a:t>Include a flag for tweets with misleading or incorrect data articles, as the rise in these types of tweets can also negatively affect users.</a:t>
           </a:r>
         </a:p>
       </dgm:t>
@@ -1509,7 +1509,7 @@
           </a:pPr>
           <a:r>
             <a:rPr lang="en-US" sz="2500" kern="1200" dirty="0"/>
-            <a:t>Implement this model as a starter for the browser extension,  continue to gather data to improve accuracy in models</a:t>
+            <a:t>Implement this model as a starter for the browser extension and continue to gather data to improve accuracy in models.</a:t>
           </a:r>
         </a:p>
       </dsp:txBody>
@@ -1660,7 +1660,7 @@
           </a:pPr>
           <a:r>
             <a:rPr lang="en-US" sz="2500" kern="1200" dirty="0"/>
-            <a:t>Cyberbullying not related to age, race, gender, or religion is harder to identify, either remove the “other” category or increase our testing data</a:t>
+            <a:t>Remove “other” classification of cyberbullying as it is too vague.</a:t>
           </a:r>
         </a:p>
       </dsp:txBody>
@@ -1820,7 +1820,7 @@
           </a:pPr>
           <a:r>
             <a:rPr lang="en-US" sz="2500" kern="1200" dirty="0"/>
-            <a:t>Include a flag for tweets with misleading or incorrect data articles, as the rise in these types of tweets can also negatively affect users</a:t>
+            <a:t>Include a flag for tweets with misleading or incorrect data articles, as the rise in these types of tweets can also negatively affect users.</a:t>
           </a:r>
         </a:p>
       </dsp:txBody>
@@ -3407,7 +3407,7 @@
             <a:fld id="{B61BEF0D-F0BB-DE4B-95CE-6DB70DBA9567}" type="datetimeFigureOut">
               <a:rPr lang="en-US" dirty="0"/>
               <a:pPr/>
-              <a:t>8/1/22</a:t>
+              <a:t>8/2/22</a:t>
             </a:fld>
             <a:endParaRPr lang="en-US" dirty="0"/>
           </a:p>
@@ -3666,7 +3666,7 @@
             <a:fld id="{B61BEF0D-F0BB-DE4B-95CE-6DB70DBA9567}" type="datetimeFigureOut">
               <a:rPr lang="en-US" dirty="0"/>
               <a:pPr/>
-              <a:t>8/1/22</a:t>
+              <a:t>8/2/22</a:t>
             </a:fld>
             <a:endParaRPr lang="en-US" dirty="0"/>
           </a:p>
@@ -3898,7 +3898,7 @@
             <a:fld id="{B61BEF0D-F0BB-DE4B-95CE-6DB70DBA9567}" type="datetimeFigureOut">
               <a:rPr lang="en-US" dirty="0"/>
               <a:pPr/>
-              <a:t>8/1/22</a:t>
+              <a:t>8/2/22</a:t>
             </a:fld>
             <a:endParaRPr lang="en-US" dirty="0"/>
           </a:p>
@@ -4135,7 +4135,7 @@
             <a:fld id="{B61BEF0D-F0BB-DE4B-95CE-6DB70DBA9567}" type="datetimeFigureOut">
               <a:rPr lang="en-US" dirty="0"/>
               <a:pPr/>
-              <a:t>8/1/22</a:t>
+              <a:t>8/2/22</a:t>
             </a:fld>
             <a:endParaRPr lang="en-US" dirty="0"/>
           </a:p>
@@ -4439,7 +4439,7 @@
             <a:fld id="{B61BEF0D-F0BB-DE4B-95CE-6DB70DBA9567}" type="datetimeFigureOut">
               <a:rPr lang="en-US" dirty="0"/>
               <a:pPr/>
-              <a:t>8/1/22</a:t>
+              <a:t>8/2/22</a:t>
             </a:fld>
             <a:endParaRPr lang="en-US" dirty="0"/>
           </a:p>
@@ -4738,7 +4738,7 @@
             <a:fld id="{B61BEF0D-F0BB-DE4B-95CE-6DB70DBA9567}" type="datetimeFigureOut">
               <a:rPr lang="en-US" dirty="0"/>
               <a:pPr/>
-              <a:t>8/1/22</a:t>
+              <a:t>8/2/22</a:t>
             </a:fld>
             <a:endParaRPr lang="en-US" dirty="0"/>
           </a:p>
@@ -5157,7 +5157,7 @@
             <a:fld id="{B61BEF0D-F0BB-DE4B-95CE-6DB70DBA9567}" type="datetimeFigureOut">
               <a:rPr lang="en-US" dirty="0"/>
               <a:pPr/>
-              <a:t>8/1/22</a:t>
+              <a:t>8/2/22</a:t>
             </a:fld>
             <a:endParaRPr lang="en-US" dirty="0"/>
           </a:p>
@@ -5316,7 +5316,7 @@
             <a:fld id="{B61BEF0D-F0BB-DE4B-95CE-6DB70DBA9567}" type="datetimeFigureOut">
               <a:rPr lang="en-US" dirty="0"/>
               <a:pPr/>
-              <a:t>8/1/22</a:t>
+              <a:t>8/2/22</a:t>
             </a:fld>
             <a:endParaRPr lang="en-US" dirty="0"/>
           </a:p>
@@ -5408,7 +5408,7 @@
             <a:fld id="{B61BEF0D-F0BB-DE4B-95CE-6DB70DBA9567}" type="datetimeFigureOut">
               <a:rPr lang="en-US" dirty="0"/>
               <a:pPr/>
-              <a:t>8/1/22</a:t>
+              <a:t>8/2/22</a:t>
             </a:fld>
             <a:endParaRPr lang="en-US" dirty="0"/>
           </a:p>
@@ -5783,7 +5783,7 @@
             <a:fld id="{B61BEF0D-F0BB-DE4B-95CE-6DB70DBA9567}" type="datetimeFigureOut">
               <a:rPr lang="en-US" dirty="0"/>
               <a:pPr/>
-              <a:t>8/1/22</a:t>
+              <a:t>8/2/22</a:t>
             </a:fld>
             <a:endParaRPr lang="en-US" dirty="0"/>
           </a:p>
@@ -6069,7 +6069,7 @@
             <a:fld id="{B61BEF0D-F0BB-DE4B-95CE-6DB70DBA9567}" type="datetimeFigureOut">
               <a:rPr lang="en-US" dirty="0"/>
               <a:pPr/>
-              <a:t>8/1/22</a:t>
+              <a:t>8/2/22</a:t>
             </a:fld>
             <a:endParaRPr lang="en-US" dirty="0"/>
           </a:p>
@@ -6277,7 +6277,7 @@
             <a:fld id="{B61BEF0D-F0BB-DE4B-95CE-6DB70DBA9567}" type="datetimeFigureOut">
               <a:rPr lang="en-US" dirty="0"/>
               <a:pPr/>
-              <a:t>8/1/22</a:t>
+              <a:t>8/2/22</a:t>
             </a:fld>
             <a:endParaRPr lang="en-US" dirty="0"/>
           </a:p>
@@ -7396,7 +7396,15 @@
           <a:p>
             <a:r>
               <a:rPr lang="en-US" sz="2000" dirty="0"/>
-              <a:t>With the possibility of Twitter removing it’s moderating practices, many fear incidents of hate speech and misinformation will skyrocket</a:t>
+              <a:t>Changes in Twitter leadership could lead to a </a:t>
+            </a:r>
+            <a:r>
+              <a:rPr lang="en-US" sz="2000" b="1" dirty="0"/>
+              <a:t>rise in hate speech and misinformation </a:t>
+            </a:r>
+            <a:r>
+              <a:rPr lang="en-US" sz="2000" dirty="0"/>
+              <a:t>online</a:t>
             </a:r>
           </a:p>
           <a:p>
@@ -7409,7 +7417,15 @@
             </a:r>
             <a:r>
               <a:rPr lang="en-US" sz="2000" dirty="0"/>
-              <a:t> Org. would like to create a browser extension with the ability to flag potentially harmful tweets</a:t>
+              <a:t> Org. will create a </a:t>
+            </a:r>
+            <a:r>
+              <a:rPr lang="en-US" sz="2000" b="1" dirty="0"/>
+              <a:t>browser extension </a:t>
+            </a:r>
+            <a:r>
+              <a:rPr lang="en-US" sz="2000" dirty="0"/>
+              <a:t>to flag potentially harmful tweets</a:t>
             </a:r>
           </a:p>
           <a:p>
@@ -7417,12 +7433,20 @@
           </a:p>
           <a:p>
             <a:r>
-              <a:rPr lang="en-US" sz="2000" dirty="0" err="1"/>
-              <a:t>BeKind</a:t>
-            </a:r>
-            <a:r>
               <a:rPr lang="en-US" sz="2000" dirty="0"/>
-              <a:t> Org. needs our help creating an algorithm that will accurately flag instances of cyberbullying in tweets </a:t>
+              <a:t>A </a:t>
+            </a:r>
+            <a:r>
+              <a:rPr lang="en-US" sz="2000" b="1" dirty="0"/>
+              <a:t>predictive model </a:t>
+            </a:r>
+            <a:r>
+              <a:rPr lang="en-US" sz="2000" dirty="0"/>
+              <a:t>is needed to </a:t>
+            </a:r>
+            <a:r>
+              <a:rPr lang="en-US" sz="2000" b="1" dirty="0"/>
+              <a:t>accurately flag instances of cyberbullying </a:t>
             </a:r>
           </a:p>
         </p:txBody>
@@ -7610,7 +7634,65 @@
                   <a:schemeClr val="tx1"/>
                 </a:solidFill>
               </a:rPr>
-              <a:t>Use a supervised learning approach</a:t>
+              <a:t>Utilize </a:t>
+            </a:r>
+            <a:r>
+              <a:rPr lang="en-US" sz="2000" b="1" dirty="0">
+                <a:solidFill>
+                  <a:schemeClr val="tx1"/>
+                </a:solidFill>
+              </a:rPr>
+              <a:t>real tweets </a:t>
+            </a:r>
+            <a:r>
+              <a:rPr lang="en-US" sz="2000" dirty="0">
+                <a:solidFill>
+                  <a:schemeClr val="tx1"/>
+                </a:solidFill>
+              </a:rPr>
+              <a:t>that have already been manually flagged by type of cyberbullying</a:t>
+            </a:r>
+          </a:p>
+          <a:p>
+            <a:endParaRPr lang="en-US" sz="2000" dirty="0">
+              <a:solidFill>
+                <a:schemeClr val="tx1"/>
+              </a:solidFill>
+            </a:endParaRPr>
+          </a:p>
+          <a:p>
+            <a:r>
+              <a:rPr lang="en-US" sz="2000" dirty="0">
+                <a:solidFill>
+                  <a:schemeClr val="tx1"/>
+                </a:solidFill>
+              </a:rPr>
+              <a:t>Process tweets such that a predictive model can understand words the same way human beings can</a:t>
+            </a:r>
+          </a:p>
+          <a:p>
+            <a:endParaRPr lang="en-US" sz="2000" dirty="0">
+              <a:solidFill>
+                <a:schemeClr val="tx1"/>
+              </a:solidFill>
+            </a:endParaRPr>
+          </a:p>
+          <a:p>
+            <a:r>
+              <a:rPr lang="en-US" sz="2000" dirty="0">
+                <a:solidFill>
+                  <a:schemeClr val="tx1"/>
+                </a:solidFill>
+              </a:rPr>
+              <a:t>Train dataset using </a:t>
+            </a:r>
+            <a:r>
+              <a:rPr lang="en-US" sz="2000" b="1" dirty="0">
+                <a:solidFill>
+                  <a:schemeClr val="tx1"/>
+                </a:solidFill>
+              </a:rPr>
+              <a:t>Neural Networks</a:t>
             </a:r>
           </a:p>
           <a:p>
@@ -7621,27 +7703,7 @@
                   <a:schemeClr val="tx1"/>
                 </a:solidFill>
               </a:rPr>
-              <a:t>Utilizing real tweets that have already been manually flagged by type of cyberbullying</a:t>
-            </a:r>
-          </a:p>
-          <a:p>
-            <a:r>
-              <a:rPr lang="en-US" sz="2000" dirty="0">
-                <a:solidFill>
-                  <a:schemeClr val="tx1"/>
-                </a:solidFill>
-              </a:rPr>
-              <a:t>Alter the data due to Natural Language Processing, which gives computers the ability to understand text and spoken words in the same way human beings can.</a:t>
-            </a:r>
-          </a:p>
-          <a:p>
-            <a:r>
-              <a:rPr lang="en-US" sz="2000" dirty="0">
-                <a:solidFill>
-                  <a:schemeClr val="tx1"/>
-                </a:solidFill>
-              </a:rPr>
-              <a:t>Train dataset using Neural Networks, an algorithm inspired by the biological neural networks that constitute the human brain</a:t>
+              <a:t>An algorithm inspired by the biological neural networks that constitute the human brain</a:t>
             </a:r>
           </a:p>
         </p:txBody>
@@ -7866,7 +7928,7 @@
         </p:nvSpPr>
         <p:spPr>
           <a:xfrm>
-            <a:off x="581192" y="2180496"/>
+            <a:off x="463962" y="2180496"/>
             <a:ext cx="6187908" cy="3678303"/>
           </a:xfrm>
         </p:spPr>
@@ -7941,7 +8003,19 @@
             </a:pPr>
             <a:r>
               <a:rPr lang="en-US" sz="2000" dirty="0"/>
-              <a:t>Data used for prediction consists of 47K tweets labeled according to the class of cyberbullying:</a:t>
+              <a:t>Data used for prediction consists </a:t>
+            </a:r>
+            <a:r>
+              <a:rPr lang="en-US" sz="2000" b="1" dirty="0"/>
+              <a:t>of 47K tweets </a:t>
+            </a:r>
+            <a:r>
+              <a:rPr lang="en-US" sz="2000" dirty="0"/>
+              <a:t>labeled according to the </a:t>
+            </a:r>
+            <a:r>
+              <a:rPr lang="en-US" sz="2000" b="1" dirty="0"/>
+              <a:t>class of cyberbullying:</a:t>
             </a:r>
           </a:p>
           <a:p>
@@ -8027,6 +8101,16 @@
               <a:rPr lang="en-US" sz="1400" dirty="0"/>
               <a:t>Not cyberbullying</a:t>
             </a:r>
+          </a:p>
+          <a:p>
+            <a:pPr marL="972000" lvl="4" fontAlgn="base">
+              <a:spcBef>
+                <a:spcPts val="0"/>
+              </a:spcBef>
+              <a:spcAft>
+                <a:spcPts val="0"/>
+              </a:spcAft>
+            </a:pPr>
             <a:endParaRPr lang="en-US" sz="2000" dirty="0"/>
           </a:p>
           <a:p>
@@ -8040,7 +8124,7 @@
             </a:pPr>
             <a:r>
               <a:rPr lang="en-US" sz="2000" dirty="0"/>
-              <a:t>Because this analysis requires Natural Language Processing, we must standardize the words in each tweet and remove unimportant words</a:t>
+              <a:t>Standardization and elimination are performed for model efficiency</a:t>
             </a:r>
           </a:p>
           <a:p>
@@ -8054,7 +8138,15 @@
             </a:pPr>
             <a:r>
               <a:rPr lang="en-US" dirty="0"/>
-              <a:t> “Connect”, “Connecting”, “Connected” will all become “connect”</a:t>
+              <a:t> “Bullies” and “Bullied” become “</a:t>
+            </a:r>
+            <a:r>
+              <a:rPr lang="en-US" dirty="0" err="1"/>
+              <a:t>bulli</a:t>
+            </a:r>
+            <a:r>
+              <a:rPr lang="en-US" dirty="0"/>
+              <a:t>”</a:t>
             </a:r>
           </a:p>
           <a:p>
@@ -8068,7 +8160,7 @@
             </a:pPr>
             <a:r>
               <a:rPr lang="en-US" dirty="0"/>
-              <a:t>Words such as “The”, “a”, “and” etc. will be removed</a:t>
+              <a:t>Words such as “the”, “a”, “and” etc. will be removed</a:t>
             </a:r>
           </a:p>
           <a:p>
@@ -8188,10 +8280,10 @@
       </p:sp>
       <p:pic>
         <p:nvPicPr>
-          <p:cNvPr id="5126" name="Picture 6">
+          <p:cNvPr id="1026" name="Picture 2">
             <a:extLst>
               <a:ext uri="{FF2B5EF4-FFF2-40B4-BE49-F238E27FC236}">
-                <a16:creationId xmlns:a16="http://schemas.microsoft.com/office/drawing/2014/main" id="{C9354C98-1734-094C-A2EF-A7F505838C47}"/>
+                <a16:creationId xmlns:a16="http://schemas.microsoft.com/office/drawing/2014/main" id="{1BF1523F-8DD6-134A-881F-011463941E33}"/>
               </a:ext>
             </a:extLst>
           </p:cNvPr>
@@ -8215,8 +8307,8 @@
         </p:blipFill>
         <p:spPr bwMode="auto">
           <a:xfrm>
-            <a:off x="6605554" y="2867146"/>
-            <a:ext cx="5005254" cy="2982815"/>
+            <a:off x="6323436" y="2672862"/>
+            <a:ext cx="5374465" cy="3269368"/>
           </a:xfrm>
           <a:prstGeom prst="rect">
             <a:avLst/>
@@ -8416,7 +8508,11 @@
           <a:p>
             <a:r>
               <a:rPr lang="en-US" dirty="0"/>
-              <a:t>For most of our cyberbullying categories, the most common words in the associated tweets were unique from each other</a:t>
+              <a:t>The most common words for most Cyberbullying categories are </a:t>
+            </a:r>
+            <a:r>
+              <a:rPr lang="en-US" b="1" dirty="0"/>
+              <a:t>unique</a:t>
             </a:r>
           </a:p>
           <a:p>
@@ -8425,7 +8521,15 @@
           <a:p>
             <a:r>
               <a:rPr lang="en-US" dirty="0"/>
-              <a:t>“Not Cyberbullying” and “Other Cyberbullying” had a high overlap in word usage</a:t>
+              <a:t>However, “Not Cyberbullying” and “Other Cyberbullying” had a </a:t>
+            </a:r>
+            <a:r>
+              <a:rPr lang="en-US" b="1" dirty="0"/>
+              <a:t>high overlap </a:t>
+            </a:r>
+            <a:r>
+              <a:rPr lang="en-US" dirty="0"/>
+              <a:t>in word usage</a:t>
             </a:r>
           </a:p>
           <a:p>
@@ -8434,7 +8538,15 @@
           <a:p>
             <a:r>
               <a:rPr lang="en-US" dirty="0"/>
-              <a:t>More complex modeling such as neural networks is needed so our model can understand the order of words used </a:t>
+              <a:t>Neural Networks are needed so our model can understand the </a:t>
+            </a:r>
+            <a:r>
+              <a:rPr lang="en-US" b="1" dirty="0"/>
+              <a:t>order of words </a:t>
+            </a:r>
+            <a:r>
+              <a:rPr lang="en-US" dirty="0"/>
+              <a:t>used </a:t>
             </a:r>
           </a:p>
         </p:txBody>
@@ -8684,7 +8796,23 @@
           <a:p>
             <a:r>
               <a:rPr lang="en-US" dirty="0"/>
-              <a:t>Overall, our model predicted the correct label 82% of the time</a:t>
+              <a:t>Our model </a:t>
+            </a:r>
+            <a:r>
+              <a:rPr lang="en-US" b="1" dirty="0"/>
+              <a:t>predicted</a:t>
+            </a:r>
+            <a:r>
+              <a:rPr lang="en-US" dirty="0"/>
+              <a:t> </a:t>
+            </a:r>
+            <a:r>
+              <a:rPr lang="en-US" b="1" dirty="0"/>
+              <a:t>the correct label 82% </a:t>
+            </a:r>
+            <a:r>
+              <a:rPr lang="en-US" dirty="0"/>
+              <a:t>of the time</a:t>
             </a:r>
           </a:p>
           <a:p>
@@ -8693,7 +8821,7 @@
           <a:p>
             <a:r>
               <a:rPr lang="en-US" dirty="0"/>
-              <a:t>While our different classifications of bullying performed well, the model had a difficult time classifying “other” types of cyberbullying with non-bullying</a:t>
+              <a:t>The model was less efficient classifying “other” types of cyberbullying with “non-bullying”</a:t>
             </a:r>
           </a:p>
           <a:p>
@@ -8702,11 +8830,16 @@
           <a:p>
             <a:r>
               <a:rPr lang="en-US" dirty="0"/>
-              <a:t>This model correctly predicted non-bullying tweets 32% of the time, most were incorrectly predicted as “other”</a:t>
-            </a:r>
-          </a:p>
-          <a:p>
-            <a:endParaRPr lang="en-US" dirty="0"/>
+              <a:t>This model </a:t>
+            </a:r>
+            <a:r>
+              <a:rPr lang="en-US" b="1" dirty="0"/>
+              <a:t>correctly predicted non-bullying tweets 32% </a:t>
+            </a:r>
+            <a:r>
+              <a:rPr lang="en-US" dirty="0"/>
+              <a:t>of the time</a:t>
+            </a:r>
           </a:p>
           <a:p>
             <a:endParaRPr lang="en-US" dirty="0"/>
@@ -9110,7 +9243,7 @@
             <p:ph idx="1"/>
             <p:extLst>
               <p:ext uri="{D42A27DB-BD31-4B8C-83A1-F6EECF244321}">
-                <p14:modId xmlns:p14="http://schemas.microsoft.com/office/powerpoint/2010/main" val="1501413122"/>
+                <p14:modId xmlns:p14="http://schemas.microsoft.com/office/powerpoint/2010/main" val="3788697175"/>
               </p:ext>
             </p:extLst>
           </p:nvPr>
